--- a/ppt 16-9/0816.与神合一.pptx
+++ b/ppt 16-9/0816.与神合一.pptx
@@ -129,7 +129,7 @@
           <p:cNvPr id="2" name="标题 1">
             <a:extLst>
               <a:ext uri="{FF2B5EF4-FFF2-40B4-BE49-F238E27FC236}">
-                <a16:creationId xmlns:a16="http://schemas.microsoft.com/office/drawing/2014/main" id="{9C6873FE-7F6C-B1F7-C625-54C5EAA39D47}"/>
+                <a16:creationId xmlns:a16="http://schemas.microsoft.com/office/drawing/2014/main" id="{0B553B20-86CD-4843-7A3F-A7551075CB9B}"/>
               </a:ext>
             </a:extLst>
           </p:cNvPr>
@@ -166,7 +166,7 @@
           <p:cNvPr id="3" name="副标题 2">
             <a:extLst>
               <a:ext uri="{FF2B5EF4-FFF2-40B4-BE49-F238E27FC236}">
-                <a16:creationId xmlns:a16="http://schemas.microsoft.com/office/drawing/2014/main" id="{A50C5A8B-E497-BB17-706A-69DE3338D16B}"/>
+                <a16:creationId xmlns:a16="http://schemas.microsoft.com/office/drawing/2014/main" id="{2CFE0266-C64B-951E-A87E-69A4943EA643}"/>
               </a:ext>
             </a:extLst>
           </p:cNvPr>
@@ -236,7 +236,7 @@
           <p:cNvPr id="4" name="日期占位符 3">
             <a:extLst>
               <a:ext uri="{FF2B5EF4-FFF2-40B4-BE49-F238E27FC236}">
-                <a16:creationId xmlns:a16="http://schemas.microsoft.com/office/drawing/2014/main" id="{17183E57-6EAB-B281-422F-FFD5D6373041}"/>
+                <a16:creationId xmlns:a16="http://schemas.microsoft.com/office/drawing/2014/main" id="{C06B5012-BA65-433B-1F21-E8F17B0A03EB}"/>
               </a:ext>
             </a:extLst>
           </p:cNvPr>
@@ -252,7 +252,7 @@
           <a:bodyPr/>
           <a:lstStyle/>
           <a:p>
-            <a:fld id="{273E78E9-D16B-40B9-BE1E-94E0A7A970E7}" type="datetimeFigureOut">
+            <a:fld id="{41166626-1864-4712-9250-5F7A55C5F401}" type="datetimeFigureOut">
               <a:rPr lang="zh-CN" altLang="en-US" smtClean="0"/>
               <a:t>2024/3/10</a:t>
             </a:fld>
@@ -265,7 +265,7 @@
           <p:cNvPr id="5" name="页脚占位符 4">
             <a:extLst>
               <a:ext uri="{FF2B5EF4-FFF2-40B4-BE49-F238E27FC236}">
-                <a16:creationId xmlns:a16="http://schemas.microsoft.com/office/drawing/2014/main" id="{89F0AA4B-9018-D36B-B58C-ABE29934D0FF}"/>
+                <a16:creationId xmlns:a16="http://schemas.microsoft.com/office/drawing/2014/main" id="{776FB9B3-11B7-1FE7-D017-C7544060951A}"/>
               </a:ext>
             </a:extLst>
           </p:cNvPr>
@@ -290,7 +290,7 @@
           <p:cNvPr id="6" name="灯片编号占位符 5">
             <a:extLst>
               <a:ext uri="{FF2B5EF4-FFF2-40B4-BE49-F238E27FC236}">
-                <a16:creationId xmlns:a16="http://schemas.microsoft.com/office/drawing/2014/main" id="{17E2983C-C740-9CD8-D325-55871C53F2EB}"/>
+                <a16:creationId xmlns:a16="http://schemas.microsoft.com/office/drawing/2014/main" id="{FF44BAB9-D239-A4B3-80A2-753039003C56}"/>
               </a:ext>
             </a:extLst>
           </p:cNvPr>
@@ -306,7 +306,7 @@
           <a:bodyPr/>
           <a:lstStyle/>
           <a:p>
-            <a:fld id="{82062437-CC29-498F-866E-87A16D9EBB86}" type="slidenum">
+            <a:fld id="{D5C79879-AE90-4CFB-916B-9332D4F36871}" type="slidenum">
               <a:rPr lang="zh-CN" altLang="en-US" smtClean="0"/>
               <a:t>‹#›</a:t>
             </a:fld>
@@ -317,7 +317,7 @@
     </p:spTree>
     <p:extLst>
       <p:ext uri="{BB962C8B-B14F-4D97-AF65-F5344CB8AC3E}">
-        <p14:creationId xmlns:p14="http://schemas.microsoft.com/office/powerpoint/2010/main" val="1183452521"/>
+        <p14:creationId xmlns:p14="http://schemas.microsoft.com/office/powerpoint/2010/main" val="1037647657"/>
       </p:ext>
     </p:extLst>
   </p:cSld>
@@ -349,7 +349,7 @@
           <p:cNvPr id="2" name="标题 1">
             <a:extLst>
               <a:ext uri="{FF2B5EF4-FFF2-40B4-BE49-F238E27FC236}">
-                <a16:creationId xmlns:a16="http://schemas.microsoft.com/office/drawing/2014/main" id="{E92028A8-48B2-CE1E-2202-400BD8D0EBA7}"/>
+                <a16:creationId xmlns:a16="http://schemas.microsoft.com/office/drawing/2014/main" id="{A0411E16-9E52-D22B-C4DB-59E8853F3B10}"/>
               </a:ext>
             </a:extLst>
           </p:cNvPr>
@@ -377,7 +377,7 @@
           <p:cNvPr id="3" name="竖排文字占位符 2">
             <a:extLst>
               <a:ext uri="{FF2B5EF4-FFF2-40B4-BE49-F238E27FC236}">
-                <a16:creationId xmlns:a16="http://schemas.microsoft.com/office/drawing/2014/main" id="{3882ABB7-52CE-1DAF-F775-3321F1D52121}"/>
+                <a16:creationId xmlns:a16="http://schemas.microsoft.com/office/drawing/2014/main" id="{E53BE3F2-954F-BA71-F5AC-6783ECFAAA0B}"/>
               </a:ext>
             </a:extLst>
           </p:cNvPr>
@@ -434,7 +434,7 @@
           <p:cNvPr id="4" name="日期占位符 3">
             <a:extLst>
               <a:ext uri="{FF2B5EF4-FFF2-40B4-BE49-F238E27FC236}">
-                <a16:creationId xmlns:a16="http://schemas.microsoft.com/office/drawing/2014/main" id="{82CDA33B-E812-06D7-EE42-9B98F50E8606}"/>
+                <a16:creationId xmlns:a16="http://schemas.microsoft.com/office/drawing/2014/main" id="{E46EAC34-86BE-A6E4-FB9B-97B02A2DE2A9}"/>
               </a:ext>
             </a:extLst>
           </p:cNvPr>
@@ -450,7 +450,7 @@
           <a:bodyPr/>
           <a:lstStyle/>
           <a:p>
-            <a:fld id="{273E78E9-D16B-40B9-BE1E-94E0A7A970E7}" type="datetimeFigureOut">
+            <a:fld id="{41166626-1864-4712-9250-5F7A55C5F401}" type="datetimeFigureOut">
               <a:rPr lang="zh-CN" altLang="en-US" smtClean="0"/>
               <a:t>2024/3/10</a:t>
             </a:fld>
@@ -463,7 +463,7 @@
           <p:cNvPr id="5" name="页脚占位符 4">
             <a:extLst>
               <a:ext uri="{FF2B5EF4-FFF2-40B4-BE49-F238E27FC236}">
-                <a16:creationId xmlns:a16="http://schemas.microsoft.com/office/drawing/2014/main" id="{482B01D1-2647-1BCF-8084-165F5FE0C74E}"/>
+                <a16:creationId xmlns:a16="http://schemas.microsoft.com/office/drawing/2014/main" id="{B4892A89-030A-A724-ABF7-5FA3F16D522D}"/>
               </a:ext>
             </a:extLst>
           </p:cNvPr>
@@ -488,7 +488,7 @@
           <p:cNvPr id="6" name="灯片编号占位符 5">
             <a:extLst>
               <a:ext uri="{FF2B5EF4-FFF2-40B4-BE49-F238E27FC236}">
-                <a16:creationId xmlns:a16="http://schemas.microsoft.com/office/drawing/2014/main" id="{F97A53C6-4A98-483B-3BB2-56193C5181F9}"/>
+                <a16:creationId xmlns:a16="http://schemas.microsoft.com/office/drawing/2014/main" id="{55DEB2FA-E67E-ED69-45A1-8A50D986AEF7}"/>
               </a:ext>
             </a:extLst>
           </p:cNvPr>
@@ -504,7 +504,7 @@
           <a:bodyPr/>
           <a:lstStyle/>
           <a:p>
-            <a:fld id="{82062437-CC29-498F-866E-87A16D9EBB86}" type="slidenum">
+            <a:fld id="{D5C79879-AE90-4CFB-916B-9332D4F36871}" type="slidenum">
               <a:rPr lang="zh-CN" altLang="en-US" smtClean="0"/>
               <a:t>‹#›</a:t>
             </a:fld>
@@ -515,7 +515,7 @@
     </p:spTree>
     <p:extLst>
       <p:ext uri="{BB962C8B-B14F-4D97-AF65-F5344CB8AC3E}">
-        <p14:creationId xmlns:p14="http://schemas.microsoft.com/office/powerpoint/2010/main" val="3433116486"/>
+        <p14:creationId xmlns:p14="http://schemas.microsoft.com/office/powerpoint/2010/main" val="1183766905"/>
       </p:ext>
     </p:extLst>
   </p:cSld>
@@ -547,7 +547,7 @@
           <p:cNvPr id="2" name="竖排标题 1">
             <a:extLst>
               <a:ext uri="{FF2B5EF4-FFF2-40B4-BE49-F238E27FC236}">
-                <a16:creationId xmlns:a16="http://schemas.microsoft.com/office/drawing/2014/main" id="{5E47DC93-DB93-E6F2-E3BE-46A410986019}"/>
+                <a16:creationId xmlns:a16="http://schemas.microsoft.com/office/drawing/2014/main" id="{85F7BF85-E8E1-66BB-0815-2D803386EFBB}"/>
               </a:ext>
             </a:extLst>
           </p:cNvPr>
@@ -580,7 +580,7 @@
           <p:cNvPr id="3" name="竖排文字占位符 2">
             <a:extLst>
               <a:ext uri="{FF2B5EF4-FFF2-40B4-BE49-F238E27FC236}">
-                <a16:creationId xmlns:a16="http://schemas.microsoft.com/office/drawing/2014/main" id="{0E42D4C2-2621-D9DE-2957-B586CDA8EF72}"/>
+                <a16:creationId xmlns:a16="http://schemas.microsoft.com/office/drawing/2014/main" id="{18CE4D67-A35E-214A-F40B-BC5EFCA081F2}"/>
               </a:ext>
             </a:extLst>
           </p:cNvPr>
@@ -642,7 +642,7 @@
           <p:cNvPr id="4" name="日期占位符 3">
             <a:extLst>
               <a:ext uri="{FF2B5EF4-FFF2-40B4-BE49-F238E27FC236}">
-                <a16:creationId xmlns:a16="http://schemas.microsoft.com/office/drawing/2014/main" id="{C2C5588F-0035-BF8E-4C23-FC3235120E1B}"/>
+                <a16:creationId xmlns:a16="http://schemas.microsoft.com/office/drawing/2014/main" id="{0106D777-B490-DE82-14BE-8F41A66558E8}"/>
               </a:ext>
             </a:extLst>
           </p:cNvPr>
@@ -658,7 +658,7 @@
           <a:bodyPr/>
           <a:lstStyle/>
           <a:p>
-            <a:fld id="{273E78E9-D16B-40B9-BE1E-94E0A7A970E7}" type="datetimeFigureOut">
+            <a:fld id="{41166626-1864-4712-9250-5F7A55C5F401}" type="datetimeFigureOut">
               <a:rPr lang="zh-CN" altLang="en-US" smtClean="0"/>
               <a:t>2024/3/10</a:t>
             </a:fld>
@@ -671,7 +671,7 @@
           <p:cNvPr id="5" name="页脚占位符 4">
             <a:extLst>
               <a:ext uri="{FF2B5EF4-FFF2-40B4-BE49-F238E27FC236}">
-                <a16:creationId xmlns:a16="http://schemas.microsoft.com/office/drawing/2014/main" id="{F86CF344-B910-BB3E-F754-D7538CA68CD4}"/>
+                <a16:creationId xmlns:a16="http://schemas.microsoft.com/office/drawing/2014/main" id="{467580B9-AAD0-D302-9667-33F63D375128}"/>
               </a:ext>
             </a:extLst>
           </p:cNvPr>
@@ -696,7 +696,7 @@
           <p:cNvPr id="6" name="灯片编号占位符 5">
             <a:extLst>
               <a:ext uri="{FF2B5EF4-FFF2-40B4-BE49-F238E27FC236}">
-                <a16:creationId xmlns:a16="http://schemas.microsoft.com/office/drawing/2014/main" id="{ECD781B3-8F9B-B560-C9E5-E8C9AAC5C664}"/>
+                <a16:creationId xmlns:a16="http://schemas.microsoft.com/office/drawing/2014/main" id="{187C7DAC-7B9D-34F3-5DC9-652F586C0FE0}"/>
               </a:ext>
             </a:extLst>
           </p:cNvPr>
@@ -712,7 +712,7 @@
           <a:bodyPr/>
           <a:lstStyle/>
           <a:p>
-            <a:fld id="{82062437-CC29-498F-866E-87A16D9EBB86}" type="slidenum">
+            <a:fld id="{D5C79879-AE90-4CFB-916B-9332D4F36871}" type="slidenum">
               <a:rPr lang="zh-CN" altLang="en-US" smtClean="0"/>
               <a:t>‹#›</a:t>
             </a:fld>
@@ -723,7 +723,7 @@
     </p:spTree>
     <p:extLst>
       <p:ext uri="{BB962C8B-B14F-4D97-AF65-F5344CB8AC3E}">
-        <p14:creationId xmlns:p14="http://schemas.microsoft.com/office/powerpoint/2010/main" val="556246477"/>
+        <p14:creationId xmlns:p14="http://schemas.microsoft.com/office/powerpoint/2010/main" val="997272143"/>
       </p:ext>
     </p:extLst>
   </p:cSld>
@@ -755,7 +755,7 @@
           <p:cNvPr id="2" name="标题 1">
             <a:extLst>
               <a:ext uri="{FF2B5EF4-FFF2-40B4-BE49-F238E27FC236}">
-                <a16:creationId xmlns:a16="http://schemas.microsoft.com/office/drawing/2014/main" id="{6E19C42F-2841-EDCB-C1FE-7F1330086B63}"/>
+                <a16:creationId xmlns:a16="http://schemas.microsoft.com/office/drawing/2014/main" id="{C8C3DB27-29BC-BA6D-5550-79837571FC10}"/>
               </a:ext>
             </a:extLst>
           </p:cNvPr>
@@ -783,7 +783,7 @@
           <p:cNvPr id="3" name="内容占位符 2">
             <a:extLst>
               <a:ext uri="{FF2B5EF4-FFF2-40B4-BE49-F238E27FC236}">
-                <a16:creationId xmlns:a16="http://schemas.microsoft.com/office/drawing/2014/main" id="{5807B388-6A1B-9D8B-514C-E763F395D1AA}"/>
+                <a16:creationId xmlns:a16="http://schemas.microsoft.com/office/drawing/2014/main" id="{3C9710EE-AC17-F28C-676E-A55ED8842C2C}"/>
               </a:ext>
             </a:extLst>
           </p:cNvPr>
@@ -840,7 +840,7 @@
           <p:cNvPr id="4" name="日期占位符 3">
             <a:extLst>
               <a:ext uri="{FF2B5EF4-FFF2-40B4-BE49-F238E27FC236}">
-                <a16:creationId xmlns:a16="http://schemas.microsoft.com/office/drawing/2014/main" id="{2A8E8592-BE9B-E77C-C22D-5B7494709186}"/>
+                <a16:creationId xmlns:a16="http://schemas.microsoft.com/office/drawing/2014/main" id="{C5B4B664-BB3F-9894-B677-73B2D3179562}"/>
               </a:ext>
             </a:extLst>
           </p:cNvPr>
@@ -856,7 +856,7 @@
           <a:bodyPr/>
           <a:lstStyle/>
           <a:p>
-            <a:fld id="{273E78E9-D16B-40B9-BE1E-94E0A7A970E7}" type="datetimeFigureOut">
+            <a:fld id="{41166626-1864-4712-9250-5F7A55C5F401}" type="datetimeFigureOut">
               <a:rPr lang="zh-CN" altLang="en-US" smtClean="0"/>
               <a:t>2024/3/10</a:t>
             </a:fld>
@@ -869,7 +869,7 @@
           <p:cNvPr id="5" name="页脚占位符 4">
             <a:extLst>
               <a:ext uri="{FF2B5EF4-FFF2-40B4-BE49-F238E27FC236}">
-                <a16:creationId xmlns:a16="http://schemas.microsoft.com/office/drawing/2014/main" id="{FDE45954-863F-2549-AC4F-E523B3993183}"/>
+                <a16:creationId xmlns:a16="http://schemas.microsoft.com/office/drawing/2014/main" id="{DB8A3E72-A68C-8A75-1EEC-88FAD2B6476B}"/>
               </a:ext>
             </a:extLst>
           </p:cNvPr>
@@ -894,7 +894,7 @@
           <p:cNvPr id="6" name="灯片编号占位符 5">
             <a:extLst>
               <a:ext uri="{FF2B5EF4-FFF2-40B4-BE49-F238E27FC236}">
-                <a16:creationId xmlns:a16="http://schemas.microsoft.com/office/drawing/2014/main" id="{8D5CED8D-EFFA-1114-9951-F1E9ABCCE437}"/>
+                <a16:creationId xmlns:a16="http://schemas.microsoft.com/office/drawing/2014/main" id="{DF189083-53F6-D032-1BFB-295E39727434}"/>
               </a:ext>
             </a:extLst>
           </p:cNvPr>
@@ -910,7 +910,7 @@
           <a:bodyPr/>
           <a:lstStyle/>
           <a:p>
-            <a:fld id="{82062437-CC29-498F-866E-87A16D9EBB86}" type="slidenum">
+            <a:fld id="{D5C79879-AE90-4CFB-916B-9332D4F36871}" type="slidenum">
               <a:rPr lang="zh-CN" altLang="en-US" smtClean="0"/>
               <a:t>‹#›</a:t>
             </a:fld>
@@ -921,7 +921,7 @@
     </p:spTree>
     <p:extLst>
       <p:ext uri="{BB962C8B-B14F-4D97-AF65-F5344CB8AC3E}">
-        <p14:creationId xmlns:p14="http://schemas.microsoft.com/office/powerpoint/2010/main" val="2319727245"/>
+        <p14:creationId xmlns:p14="http://schemas.microsoft.com/office/powerpoint/2010/main" val="3947220709"/>
       </p:ext>
     </p:extLst>
   </p:cSld>
@@ -953,7 +953,7 @@
           <p:cNvPr id="2" name="标题 1">
             <a:extLst>
               <a:ext uri="{FF2B5EF4-FFF2-40B4-BE49-F238E27FC236}">
-                <a16:creationId xmlns:a16="http://schemas.microsoft.com/office/drawing/2014/main" id="{9955D712-822A-EB6E-89FB-85CA342B475D}"/>
+                <a16:creationId xmlns:a16="http://schemas.microsoft.com/office/drawing/2014/main" id="{8D57020D-762A-A1C8-6424-AA898795F564}"/>
               </a:ext>
             </a:extLst>
           </p:cNvPr>
@@ -990,7 +990,7 @@
           <p:cNvPr id="3" name="文本占位符 2">
             <a:extLst>
               <a:ext uri="{FF2B5EF4-FFF2-40B4-BE49-F238E27FC236}">
-                <a16:creationId xmlns:a16="http://schemas.microsoft.com/office/drawing/2014/main" id="{65F35567-C9CB-E137-5BFB-449BB465BBF9}"/>
+                <a16:creationId xmlns:a16="http://schemas.microsoft.com/office/drawing/2014/main" id="{94F87A8D-C0C1-2EAB-1DD1-E660A0AD6CFE}"/>
               </a:ext>
             </a:extLst>
           </p:cNvPr>
@@ -1115,7 +1115,7 @@
           <p:cNvPr id="4" name="日期占位符 3">
             <a:extLst>
               <a:ext uri="{FF2B5EF4-FFF2-40B4-BE49-F238E27FC236}">
-                <a16:creationId xmlns:a16="http://schemas.microsoft.com/office/drawing/2014/main" id="{FF384BD8-F8BC-8DF7-A544-A15EDBCAEB08}"/>
+                <a16:creationId xmlns:a16="http://schemas.microsoft.com/office/drawing/2014/main" id="{9A60F380-218E-7DBE-3378-86621B576965}"/>
               </a:ext>
             </a:extLst>
           </p:cNvPr>
@@ -1131,7 +1131,7 @@
           <a:bodyPr/>
           <a:lstStyle/>
           <a:p>
-            <a:fld id="{273E78E9-D16B-40B9-BE1E-94E0A7A970E7}" type="datetimeFigureOut">
+            <a:fld id="{41166626-1864-4712-9250-5F7A55C5F401}" type="datetimeFigureOut">
               <a:rPr lang="zh-CN" altLang="en-US" smtClean="0"/>
               <a:t>2024/3/10</a:t>
             </a:fld>
@@ -1144,7 +1144,7 @@
           <p:cNvPr id="5" name="页脚占位符 4">
             <a:extLst>
               <a:ext uri="{FF2B5EF4-FFF2-40B4-BE49-F238E27FC236}">
-                <a16:creationId xmlns:a16="http://schemas.microsoft.com/office/drawing/2014/main" id="{049B4DE1-8BE0-0348-2210-262FD7057913}"/>
+                <a16:creationId xmlns:a16="http://schemas.microsoft.com/office/drawing/2014/main" id="{877C422C-6BF4-80E7-602B-52A937612B05}"/>
               </a:ext>
             </a:extLst>
           </p:cNvPr>
@@ -1169,7 +1169,7 @@
           <p:cNvPr id="6" name="灯片编号占位符 5">
             <a:extLst>
               <a:ext uri="{FF2B5EF4-FFF2-40B4-BE49-F238E27FC236}">
-                <a16:creationId xmlns:a16="http://schemas.microsoft.com/office/drawing/2014/main" id="{387105A3-9BAA-C4E9-947E-7B09B640EFBB}"/>
+                <a16:creationId xmlns:a16="http://schemas.microsoft.com/office/drawing/2014/main" id="{1CF0EF93-A942-1D17-8AE7-2E0C99FEE173}"/>
               </a:ext>
             </a:extLst>
           </p:cNvPr>
@@ -1185,7 +1185,7 @@
           <a:bodyPr/>
           <a:lstStyle/>
           <a:p>
-            <a:fld id="{82062437-CC29-498F-866E-87A16D9EBB86}" type="slidenum">
+            <a:fld id="{D5C79879-AE90-4CFB-916B-9332D4F36871}" type="slidenum">
               <a:rPr lang="zh-CN" altLang="en-US" smtClean="0"/>
               <a:t>‹#›</a:t>
             </a:fld>
@@ -1196,7 +1196,7 @@
     </p:spTree>
     <p:extLst>
       <p:ext uri="{BB962C8B-B14F-4D97-AF65-F5344CB8AC3E}">
-        <p14:creationId xmlns:p14="http://schemas.microsoft.com/office/powerpoint/2010/main" val="970294435"/>
+        <p14:creationId xmlns:p14="http://schemas.microsoft.com/office/powerpoint/2010/main" val="3969687203"/>
       </p:ext>
     </p:extLst>
   </p:cSld>
@@ -1228,7 +1228,7 @@
           <p:cNvPr id="2" name="标题 1">
             <a:extLst>
               <a:ext uri="{FF2B5EF4-FFF2-40B4-BE49-F238E27FC236}">
-                <a16:creationId xmlns:a16="http://schemas.microsoft.com/office/drawing/2014/main" id="{3C7F42B4-3FE7-C807-AD23-30795238491D}"/>
+                <a16:creationId xmlns:a16="http://schemas.microsoft.com/office/drawing/2014/main" id="{B740EBBD-0A2F-8DAA-D963-E55714D2305F}"/>
               </a:ext>
             </a:extLst>
           </p:cNvPr>
@@ -1256,7 +1256,7 @@
           <p:cNvPr id="3" name="内容占位符 2">
             <a:extLst>
               <a:ext uri="{FF2B5EF4-FFF2-40B4-BE49-F238E27FC236}">
-                <a16:creationId xmlns:a16="http://schemas.microsoft.com/office/drawing/2014/main" id="{228D7B51-A942-D864-E5FC-30B96BE31A78}"/>
+                <a16:creationId xmlns:a16="http://schemas.microsoft.com/office/drawing/2014/main" id="{49B4A168-A4F4-6CB6-2767-9C2DE6DD99B8}"/>
               </a:ext>
             </a:extLst>
           </p:cNvPr>
@@ -1318,7 +1318,7 @@
           <p:cNvPr id="4" name="内容占位符 3">
             <a:extLst>
               <a:ext uri="{FF2B5EF4-FFF2-40B4-BE49-F238E27FC236}">
-                <a16:creationId xmlns:a16="http://schemas.microsoft.com/office/drawing/2014/main" id="{3C0723B2-66F9-7A33-5708-402EBB9DB3B3}"/>
+                <a16:creationId xmlns:a16="http://schemas.microsoft.com/office/drawing/2014/main" id="{B373EC07-B895-EE7E-F85F-5CBE22467E90}"/>
               </a:ext>
             </a:extLst>
           </p:cNvPr>
@@ -1380,7 +1380,7 @@
           <p:cNvPr id="5" name="日期占位符 4">
             <a:extLst>
               <a:ext uri="{FF2B5EF4-FFF2-40B4-BE49-F238E27FC236}">
-                <a16:creationId xmlns:a16="http://schemas.microsoft.com/office/drawing/2014/main" id="{6A28C34B-418A-7DDC-29B8-6E4E8A97EBFD}"/>
+                <a16:creationId xmlns:a16="http://schemas.microsoft.com/office/drawing/2014/main" id="{F17CB315-1748-3A1C-533B-BF1E173D0C85}"/>
               </a:ext>
             </a:extLst>
           </p:cNvPr>
@@ -1396,7 +1396,7 @@
           <a:bodyPr/>
           <a:lstStyle/>
           <a:p>
-            <a:fld id="{273E78E9-D16B-40B9-BE1E-94E0A7A970E7}" type="datetimeFigureOut">
+            <a:fld id="{41166626-1864-4712-9250-5F7A55C5F401}" type="datetimeFigureOut">
               <a:rPr lang="zh-CN" altLang="en-US" smtClean="0"/>
               <a:t>2024/3/10</a:t>
             </a:fld>
@@ -1409,7 +1409,7 @@
           <p:cNvPr id="6" name="页脚占位符 5">
             <a:extLst>
               <a:ext uri="{FF2B5EF4-FFF2-40B4-BE49-F238E27FC236}">
-                <a16:creationId xmlns:a16="http://schemas.microsoft.com/office/drawing/2014/main" id="{CC0EAFE5-8033-251F-70CD-A4F821395197}"/>
+                <a16:creationId xmlns:a16="http://schemas.microsoft.com/office/drawing/2014/main" id="{E46733E9-963F-A3A8-E4C4-5DCC5C52D228}"/>
               </a:ext>
             </a:extLst>
           </p:cNvPr>
@@ -1434,7 +1434,7 @@
           <p:cNvPr id="7" name="灯片编号占位符 6">
             <a:extLst>
               <a:ext uri="{FF2B5EF4-FFF2-40B4-BE49-F238E27FC236}">
-                <a16:creationId xmlns:a16="http://schemas.microsoft.com/office/drawing/2014/main" id="{287D6403-A894-1831-8BF9-7A2CA7BBB13E}"/>
+                <a16:creationId xmlns:a16="http://schemas.microsoft.com/office/drawing/2014/main" id="{43596D84-F69E-7B91-453F-C1E44B1736D3}"/>
               </a:ext>
             </a:extLst>
           </p:cNvPr>
@@ -1450,7 +1450,7 @@
           <a:bodyPr/>
           <a:lstStyle/>
           <a:p>
-            <a:fld id="{82062437-CC29-498F-866E-87A16D9EBB86}" type="slidenum">
+            <a:fld id="{D5C79879-AE90-4CFB-916B-9332D4F36871}" type="slidenum">
               <a:rPr lang="zh-CN" altLang="en-US" smtClean="0"/>
               <a:t>‹#›</a:t>
             </a:fld>
@@ -1461,7 +1461,7 @@
     </p:spTree>
     <p:extLst>
       <p:ext uri="{BB962C8B-B14F-4D97-AF65-F5344CB8AC3E}">
-        <p14:creationId xmlns:p14="http://schemas.microsoft.com/office/powerpoint/2010/main" val="976806010"/>
+        <p14:creationId xmlns:p14="http://schemas.microsoft.com/office/powerpoint/2010/main" val="3049813868"/>
       </p:ext>
     </p:extLst>
   </p:cSld>
@@ -1493,7 +1493,7 @@
           <p:cNvPr id="2" name="标题 1">
             <a:extLst>
               <a:ext uri="{FF2B5EF4-FFF2-40B4-BE49-F238E27FC236}">
-                <a16:creationId xmlns:a16="http://schemas.microsoft.com/office/drawing/2014/main" id="{1900EA0C-8322-CF83-CC36-FAD3E257DDDA}"/>
+                <a16:creationId xmlns:a16="http://schemas.microsoft.com/office/drawing/2014/main" id="{0F046991-441C-4D7A-11D7-E3DF293F755E}"/>
               </a:ext>
             </a:extLst>
           </p:cNvPr>
@@ -1526,7 +1526,7 @@
           <p:cNvPr id="3" name="文本占位符 2">
             <a:extLst>
               <a:ext uri="{FF2B5EF4-FFF2-40B4-BE49-F238E27FC236}">
-                <a16:creationId xmlns:a16="http://schemas.microsoft.com/office/drawing/2014/main" id="{20BC8C4F-112A-5887-AD54-5DBDD796F786}"/>
+                <a16:creationId xmlns:a16="http://schemas.microsoft.com/office/drawing/2014/main" id="{1E1E18E9-D234-7BCD-F138-CCA98F94177D}"/>
               </a:ext>
             </a:extLst>
           </p:cNvPr>
@@ -1597,7 +1597,7 @@
           <p:cNvPr id="4" name="内容占位符 3">
             <a:extLst>
               <a:ext uri="{FF2B5EF4-FFF2-40B4-BE49-F238E27FC236}">
-                <a16:creationId xmlns:a16="http://schemas.microsoft.com/office/drawing/2014/main" id="{A0FF37FB-86FB-276B-5996-F84975A4F2D7}"/>
+                <a16:creationId xmlns:a16="http://schemas.microsoft.com/office/drawing/2014/main" id="{F9904A7F-7431-ECDE-9121-F083FF1AF79F}"/>
               </a:ext>
             </a:extLst>
           </p:cNvPr>
@@ -1659,7 +1659,7 @@
           <p:cNvPr id="5" name="文本占位符 4">
             <a:extLst>
               <a:ext uri="{FF2B5EF4-FFF2-40B4-BE49-F238E27FC236}">
-                <a16:creationId xmlns:a16="http://schemas.microsoft.com/office/drawing/2014/main" id="{C9F93B5C-46E2-D3A9-D873-4BC4C9755BCD}"/>
+                <a16:creationId xmlns:a16="http://schemas.microsoft.com/office/drawing/2014/main" id="{97B20A2E-02C2-251C-C88C-030A8419A17B}"/>
               </a:ext>
             </a:extLst>
           </p:cNvPr>
@@ -1730,7 +1730,7 @@
           <p:cNvPr id="6" name="内容占位符 5">
             <a:extLst>
               <a:ext uri="{FF2B5EF4-FFF2-40B4-BE49-F238E27FC236}">
-                <a16:creationId xmlns:a16="http://schemas.microsoft.com/office/drawing/2014/main" id="{FB2C613A-72F0-D432-0A49-D777010250E2}"/>
+                <a16:creationId xmlns:a16="http://schemas.microsoft.com/office/drawing/2014/main" id="{1007755C-D85E-3E3B-679A-ABB6DCA0854C}"/>
               </a:ext>
             </a:extLst>
           </p:cNvPr>
@@ -1792,7 +1792,7 @@
           <p:cNvPr id="7" name="日期占位符 6">
             <a:extLst>
               <a:ext uri="{FF2B5EF4-FFF2-40B4-BE49-F238E27FC236}">
-                <a16:creationId xmlns:a16="http://schemas.microsoft.com/office/drawing/2014/main" id="{B418B7C0-D88D-47E2-CF9E-B92301F1FEDD}"/>
+                <a16:creationId xmlns:a16="http://schemas.microsoft.com/office/drawing/2014/main" id="{7F78976F-D5D6-C55A-F52C-74BC1B39B66C}"/>
               </a:ext>
             </a:extLst>
           </p:cNvPr>
@@ -1808,7 +1808,7 @@
           <a:bodyPr/>
           <a:lstStyle/>
           <a:p>
-            <a:fld id="{273E78E9-D16B-40B9-BE1E-94E0A7A970E7}" type="datetimeFigureOut">
+            <a:fld id="{41166626-1864-4712-9250-5F7A55C5F401}" type="datetimeFigureOut">
               <a:rPr lang="zh-CN" altLang="en-US" smtClean="0"/>
               <a:t>2024/3/10</a:t>
             </a:fld>
@@ -1821,7 +1821,7 @@
           <p:cNvPr id="8" name="页脚占位符 7">
             <a:extLst>
               <a:ext uri="{FF2B5EF4-FFF2-40B4-BE49-F238E27FC236}">
-                <a16:creationId xmlns:a16="http://schemas.microsoft.com/office/drawing/2014/main" id="{67E3E0D9-C475-FAF7-C0D1-84DDA3062F4D}"/>
+                <a16:creationId xmlns:a16="http://schemas.microsoft.com/office/drawing/2014/main" id="{2E3FCE4F-4372-71CE-2D69-E31ED4CE714A}"/>
               </a:ext>
             </a:extLst>
           </p:cNvPr>
@@ -1846,7 +1846,7 @@
           <p:cNvPr id="9" name="灯片编号占位符 8">
             <a:extLst>
               <a:ext uri="{FF2B5EF4-FFF2-40B4-BE49-F238E27FC236}">
-                <a16:creationId xmlns:a16="http://schemas.microsoft.com/office/drawing/2014/main" id="{64BAD685-038C-E036-8105-D99D2E9C3D2C}"/>
+                <a16:creationId xmlns:a16="http://schemas.microsoft.com/office/drawing/2014/main" id="{4272F229-D763-1645-67EE-4E4A29EE6D3C}"/>
               </a:ext>
             </a:extLst>
           </p:cNvPr>
@@ -1862,7 +1862,7 @@
           <a:bodyPr/>
           <a:lstStyle/>
           <a:p>
-            <a:fld id="{82062437-CC29-498F-866E-87A16D9EBB86}" type="slidenum">
+            <a:fld id="{D5C79879-AE90-4CFB-916B-9332D4F36871}" type="slidenum">
               <a:rPr lang="zh-CN" altLang="en-US" smtClean="0"/>
               <a:t>‹#›</a:t>
             </a:fld>
@@ -1873,7 +1873,7 @@
     </p:spTree>
     <p:extLst>
       <p:ext uri="{BB962C8B-B14F-4D97-AF65-F5344CB8AC3E}">
-        <p14:creationId xmlns:p14="http://schemas.microsoft.com/office/powerpoint/2010/main" val="699934773"/>
+        <p14:creationId xmlns:p14="http://schemas.microsoft.com/office/powerpoint/2010/main" val="1976679323"/>
       </p:ext>
     </p:extLst>
   </p:cSld>
@@ -1905,7 +1905,7 @@
           <p:cNvPr id="2" name="标题 1">
             <a:extLst>
               <a:ext uri="{FF2B5EF4-FFF2-40B4-BE49-F238E27FC236}">
-                <a16:creationId xmlns:a16="http://schemas.microsoft.com/office/drawing/2014/main" id="{0148865F-440E-0880-4822-C401D3DB22BD}"/>
+                <a16:creationId xmlns:a16="http://schemas.microsoft.com/office/drawing/2014/main" id="{2C796C83-61C7-0BAD-87BE-5B08D3155732}"/>
               </a:ext>
             </a:extLst>
           </p:cNvPr>
@@ -1933,7 +1933,7 @@
           <p:cNvPr id="3" name="日期占位符 2">
             <a:extLst>
               <a:ext uri="{FF2B5EF4-FFF2-40B4-BE49-F238E27FC236}">
-                <a16:creationId xmlns:a16="http://schemas.microsoft.com/office/drawing/2014/main" id="{360A2613-F15B-2BE8-C888-FBE1CE766E71}"/>
+                <a16:creationId xmlns:a16="http://schemas.microsoft.com/office/drawing/2014/main" id="{9CD2428D-C791-99F8-10EE-1C2779EA4169}"/>
               </a:ext>
             </a:extLst>
           </p:cNvPr>
@@ -1949,7 +1949,7 @@
           <a:bodyPr/>
           <a:lstStyle/>
           <a:p>
-            <a:fld id="{273E78E9-D16B-40B9-BE1E-94E0A7A970E7}" type="datetimeFigureOut">
+            <a:fld id="{41166626-1864-4712-9250-5F7A55C5F401}" type="datetimeFigureOut">
               <a:rPr lang="zh-CN" altLang="en-US" smtClean="0"/>
               <a:t>2024/3/10</a:t>
             </a:fld>
@@ -1962,7 +1962,7 @@
           <p:cNvPr id="4" name="页脚占位符 3">
             <a:extLst>
               <a:ext uri="{FF2B5EF4-FFF2-40B4-BE49-F238E27FC236}">
-                <a16:creationId xmlns:a16="http://schemas.microsoft.com/office/drawing/2014/main" id="{753CCEBE-4C4E-A72F-9335-69F11EC6449E}"/>
+                <a16:creationId xmlns:a16="http://schemas.microsoft.com/office/drawing/2014/main" id="{9367E619-D0F3-9FB8-DDC4-E333DFD9036F}"/>
               </a:ext>
             </a:extLst>
           </p:cNvPr>
@@ -1987,7 +1987,7 @@
           <p:cNvPr id="5" name="灯片编号占位符 4">
             <a:extLst>
               <a:ext uri="{FF2B5EF4-FFF2-40B4-BE49-F238E27FC236}">
-                <a16:creationId xmlns:a16="http://schemas.microsoft.com/office/drawing/2014/main" id="{152F8281-0C52-2300-1095-8C6FA50BBD53}"/>
+                <a16:creationId xmlns:a16="http://schemas.microsoft.com/office/drawing/2014/main" id="{162B4477-C1D8-F496-B9AB-68D3A85B26DB}"/>
               </a:ext>
             </a:extLst>
           </p:cNvPr>
@@ -2003,7 +2003,7 @@
           <a:bodyPr/>
           <a:lstStyle/>
           <a:p>
-            <a:fld id="{82062437-CC29-498F-866E-87A16D9EBB86}" type="slidenum">
+            <a:fld id="{D5C79879-AE90-4CFB-916B-9332D4F36871}" type="slidenum">
               <a:rPr lang="zh-CN" altLang="en-US" smtClean="0"/>
               <a:t>‹#›</a:t>
             </a:fld>
@@ -2014,7 +2014,7 @@
     </p:spTree>
     <p:extLst>
       <p:ext uri="{BB962C8B-B14F-4D97-AF65-F5344CB8AC3E}">
-        <p14:creationId xmlns:p14="http://schemas.microsoft.com/office/powerpoint/2010/main" val="3570878187"/>
+        <p14:creationId xmlns:p14="http://schemas.microsoft.com/office/powerpoint/2010/main" val="3677374838"/>
       </p:ext>
     </p:extLst>
   </p:cSld>
@@ -2046,7 +2046,7 @@
           <p:cNvPr id="2" name="日期占位符 1">
             <a:extLst>
               <a:ext uri="{FF2B5EF4-FFF2-40B4-BE49-F238E27FC236}">
-                <a16:creationId xmlns:a16="http://schemas.microsoft.com/office/drawing/2014/main" id="{A763B410-D3C9-36D9-8D80-B6254C4AB1B9}"/>
+                <a16:creationId xmlns:a16="http://schemas.microsoft.com/office/drawing/2014/main" id="{19FAC263-3774-8510-90F2-863B886A9DBD}"/>
               </a:ext>
             </a:extLst>
           </p:cNvPr>
@@ -2062,7 +2062,7 @@
           <a:bodyPr/>
           <a:lstStyle/>
           <a:p>
-            <a:fld id="{273E78E9-D16B-40B9-BE1E-94E0A7A970E7}" type="datetimeFigureOut">
+            <a:fld id="{41166626-1864-4712-9250-5F7A55C5F401}" type="datetimeFigureOut">
               <a:rPr lang="zh-CN" altLang="en-US" smtClean="0"/>
               <a:t>2024/3/10</a:t>
             </a:fld>
@@ -2075,7 +2075,7 @@
           <p:cNvPr id="3" name="页脚占位符 2">
             <a:extLst>
               <a:ext uri="{FF2B5EF4-FFF2-40B4-BE49-F238E27FC236}">
-                <a16:creationId xmlns:a16="http://schemas.microsoft.com/office/drawing/2014/main" id="{93AA8E02-93F5-2171-FC24-C2AD97F24CA5}"/>
+                <a16:creationId xmlns:a16="http://schemas.microsoft.com/office/drawing/2014/main" id="{0FF88429-E93D-FF99-3406-F3C55BBE2268}"/>
               </a:ext>
             </a:extLst>
           </p:cNvPr>
@@ -2100,7 +2100,7 @@
           <p:cNvPr id="4" name="灯片编号占位符 3">
             <a:extLst>
               <a:ext uri="{FF2B5EF4-FFF2-40B4-BE49-F238E27FC236}">
-                <a16:creationId xmlns:a16="http://schemas.microsoft.com/office/drawing/2014/main" id="{44E4214A-DFEB-CF19-2CD3-E768D07DA721}"/>
+                <a16:creationId xmlns:a16="http://schemas.microsoft.com/office/drawing/2014/main" id="{17D38C7A-DF19-ABAF-764C-C54DF427B0AD}"/>
               </a:ext>
             </a:extLst>
           </p:cNvPr>
@@ -2116,7 +2116,7 @@
           <a:bodyPr/>
           <a:lstStyle/>
           <a:p>
-            <a:fld id="{82062437-CC29-498F-866E-87A16D9EBB86}" type="slidenum">
+            <a:fld id="{D5C79879-AE90-4CFB-916B-9332D4F36871}" type="slidenum">
               <a:rPr lang="zh-CN" altLang="en-US" smtClean="0"/>
               <a:t>‹#›</a:t>
             </a:fld>
@@ -2127,7 +2127,7 @@
     </p:spTree>
     <p:extLst>
       <p:ext uri="{BB962C8B-B14F-4D97-AF65-F5344CB8AC3E}">
-        <p14:creationId xmlns:p14="http://schemas.microsoft.com/office/powerpoint/2010/main" val="1046395829"/>
+        <p14:creationId xmlns:p14="http://schemas.microsoft.com/office/powerpoint/2010/main" val="1005950134"/>
       </p:ext>
     </p:extLst>
   </p:cSld>
@@ -2159,7 +2159,7 @@
           <p:cNvPr id="2" name="标题 1">
             <a:extLst>
               <a:ext uri="{FF2B5EF4-FFF2-40B4-BE49-F238E27FC236}">
-                <a16:creationId xmlns:a16="http://schemas.microsoft.com/office/drawing/2014/main" id="{2D52A35E-2D69-56B9-4D4C-AA98993B1CE4}"/>
+                <a16:creationId xmlns:a16="http://schemas.microsoft.com/office/drawing/2014/main" id="{647CCC68-FB39-500E-1B25-8D22BAFEF832}"/>
               </a:ext>
             </a:extLst>
           </p:cNvPr>
@@ -2196,7 +2196,7 @@
           <p:cNvPr id="3" name="内容占位符 2">
             <a:extLst>
               <a:ext uri="{FF2B5EF4-FFF2-40B4-BE49-F238E27FC236}">
-                <a16:creationId xmlns:a16="http://schemas.microsoft.com/office/drawing/2014/main" id="{31A6DB11-8104-6497-E717-DBB79A9EF4DE}"/>
+                <a16:creationId xmlns:a16="http://schemas.microsoft.com/office/drawing/2014/main" id="{CE9A739A-DCA4-8E1D-D6EC-1A1766F12A93}"/>
               </a:ext>
             </a:extLst>
           </p:cNvPr>
@@ -2286,7 +2286,7 @@
           <p:cNvPr id="4" name="文本占位符 3">
             <a:extLst>
               <a:ext uri="{FF2B5EF4-FFF2-40B4-BE49-F238E27FC236}">
-                <a16:creationId xmlns:a16="http://schemas.microsoft.com/office/drawing/2014/main" id="{BE95EBCC-053B-0B55-F62C-FD29AA29865A}"/>
+                <a16:creationId xmlns:a16="http://schemas.microsoft.com/office/drawing/2014/main" id="{00F3552C-6364-7A54-540F-42CEE94AF189}"/>
               </a:ext>
             </a:extLst>
           </p:cNvPr>
@@ -2357,7 +2357,7 @@
           <p:cNvPr id="5" name="日期占位符 4">
             <a:extLst>
               <a:ext uri="{FF2B5EF4-FFF2-40B4-BE49-F238E27FC236}">
-                <a16:creationId xmlns:a16="http://schemas.microsoft.com/office/drawing/2014/main" id="{863901DE-3492-DA62-5DCB-F08BECD036F7}"/>
+                <a16:creationId xmlns:a16="http://schemas.microsoft.com/office/drawing/2014/main" id="{94396125-BB29-9CDD-461B-053878E24C23}"/>
               </a:ext>
             </a:extLst>
           </p:cNvPr>
@@ -2373,7 +2373,7 @@
           <a:bodyPr/>
           <a:lstStyle/>
           <a:p>
-            <a:fld id="{273E78E9-D16B-40B9-BE1E-94E0A7A970E7}" type="datetimeFigureOut">
+            <a:fld id="{41166626-1864-4712-9250-5F7A55C5F401}" type="datetimeFigureOut">
               <a:rPr lang="zh-CN" altLang="en-US" smtClean="0"/>
               <a:t>2024/3/10</a:t>
             </a:fld>
@@ -2386,7 +2386,7 @@
           <p:cNvPr id="6" name="页脚占位符 5">
             <a:extLst>
               <a:ext uri="{FF2B5EF4-FFF2-40B4-BE49-F238E27FC236}">
-                <a16:creationId xmlns:a16="http://schemas.microsoft.com/office/drawing/2014/main" id="{7DCEEA0C-0F7F-B35C-4B5B-20FE72F66DAA}"/>
+                <a16:creationId xmlns:a16="http://schemas.microsoft.com/office/drawing/2014/main" id="{61FCC7A6-2546-6D64-2071-ACD47CDE8230}"/>
               </a:ext>
             </a:extLst>
           </p:cNvPr>
@@ -2411,7 +2411,7 @@
           <p:cNvPr id="7" name="灯片编号占位符 6">
             <a:extLst>
               <a:ext uri="{FF2B5EF4-FFF2-40B4-BE49-F238E27FC236}">
-                <a16:creationId xmlns:a16="http://schemas.microsoft.com/office/drawing/2014/main" id="{FD305DED-2DDF-65B1-C45B-F567C2D60053}"/>
+                <a16:creationId xmlns:a16="http://schemas.microsoft.com/office/drawing/2014/main" id="{CD8131E1-6CEA-FEC3-F545-AFD6FC89EDF6}"/>
               </a:ext>
             </a:extLst>
           </p:cNvPr>
@@ -2427,7 +2427,7 @@
           <a:bodyPr/>
           <a:lstStyle/>
           <a:p>
-            <a:fld id="{82062437-CC29-498F-866E-87A16D9EBB86}" type="slidenum">
+            <a:fld id="{D5C79879-AE90-4CFB-916B-9332D4F36871}" type="slidenum">
               <a:rPr lang="zh-CN" altLang="en-US" smtClean="0"/>
               <a:t>‹#›</a:t>
             </a:fld>
@@ -2438,7 +2438,7 @@
     </p:spTree>
     <p:extLst>
       <p:ext uri="{BB962C8B-B14F-4D97-AF65-F5344CB8AC3E}">
-        <p14:creationId xmlns:p14="http://schemas.microsoft.com/office/powerpoint/2010/main" val="2065576925"/>
+        <p14:creationId xmlns:p14="http://schemas.microsoft.com/office/powerpoint/2010/main" val="177816517"/>
       </p:ext>
     </p:extLst>
   </p:cSld>
@@ -2470,7 +2470,7 @@
           <p:cNvPr id="2" name="标题 1">
             <a:extLst>
               <a:ext uri="{FF2B5EF4-FFF2-40B4-BE49-F238E27FC236}">
-                <a16:creationId xmlns:a16="http://schemas.microsoft.com/office/drawing/2014/main" id="{F4A07297-0053-C1C7-6054-CF91F42D1520}"/>
+                <a16:creationId xmlns:a16="http://schemas.microsoft.com/office/drawing/2014/main" id="{D806F46D-3DC1-402D-E29D-2733AFFAEC18}"/>
               </a:ext>
             </a:extLst>
           </p:cNvPr>
@@ -2507,7 +2507,7 @@
           <p:cNvPr id="3" name="图片占位符 2">
             <a:extLst>
               <a:ext uri="{FF2B5EF4-FFF2-40B4-BE49-F238E27FC236}">
-                <a16:creationId xmlns:a16="http://schemas.microsoft.com/office/drawing/2014/main" id="{342F1B4F-39E7-2C78-BE62-DFC578AF2198}"/>
+                <a16:creationId xmlns:a16="http://schemas.microsoft.com/office/drawing/2014/main" id="{E5B811FD-3731-290C-1F11-454499B19165}"/>
               </a:ext>
             </a:extLst>
           </p:cNvPr>
@@ -2574,7 +2574,7 @@
           <p:cNvPr id="4" name="文本占位符 3">
             <a:extLst>
               <a:ext uri="{FF2B5EF4-FFF2-40B4-BE49-F238E27FC236}">
-                <a16:creationId xmlns:a16="http://schemas.microsoft.com/office/drawing/2014/main" id="{0EE17F35-B72E-F6CB-9AA6-3822A5A69920}"/>
+                <a16:creationId xmlns:a16="http://schemas.microsoft.com/office/drawing/2014/main" id="{D30F5963-69CE-B7E2-09A5-2979A0523C49}"/>
               </a:ext>
             </a:extLst>
           </p:cNvPr>
@@ -2645,7 +2645,7 @@
           <p:cNvPr id="5" name="日期占位符 4">
             <a:extLst>
               <a:ext uri="{FF2B5EF4-FFF2-40B4-BE49-F238E27FC236}">
-                <a16:creationId xmlns:a16="http://schemas.microsoft.com/office/drawing/2014/main" id="{18102372-6D63-620B-E996-2C676477845B}"/>
+                <a16:creationId xmlns:a16="http://schemas.microsoft.com/office/drawing/2014/main" id="{A935D4CE-E4EC-02E4-60A1-6C87CDC1C95F}"/>
               </a:ext>
             </a:extLst>
           </p:cNvPr>
@@ -2661,7 +2661,7 @@
           <a:bodyPr/>
           <a:lstStyle/>
           <a:p>
-            <a:fld id="{273E78E9-D16B-40B9-BE1E-94E0A7A970E7}" type="datetimeFigureOut">
+            <a:fld id="{41166626-1864-4712-9250-5F7A55C5F401}" type="datetimeFigureOut">
               <a:rPr lang="zh-CN" altLang="en-US" smtClean="0"/>
               <a:t>2024/3/10</a:t>
             </a:fld>
@@ -2674,7 +2674,7 @@
           <p:cNvPr id="6" name="页脚占位符 5">
             <a:extLst>
               <a:ext uri="{FF2B5EF4-FFF2-40B4-BE49-F238E27FC236}">
-                <a16:creationId xmlns:a16="http://schemas.microsoft.com/office/drawing/2014/main" id="{B95B2A22-8092-7CFC-6CD9-6018695094A5}"/>
+                <a16:creationId xmlns:a16="http://schemas.microsoft.com/office/drawing/2014/main" id="{9E98B8F4-C36E-656E-C5E5-F498D3D11536}"/>
               </a:ext>
             </a:extLst>
           </p:cNvPr>
@@ -2699,7 +2699,7 @@
           <p:cNvPr id="7" name="灯片编号占位符 6">
             <a:extLst>
               <a:ext uri="{FF2B5EF4-FFF2-40B4-BE49-F238E27FC236}">
-                <a16:creationId xmlns:a16="http://schemas.microsoft.com/office/drawing/2014/main" id="{84A7FB49-1731-E3D8-65D3-876CF834B533}"/>
+                <a16:creationId xmlns:a16="http://schemas.microsoft.com/office/drawing/2014/main" id="{EA8392B5-F388-2BDC-896D-9E32E52D37C7}"/>
               </a:ext>
             </a:extLst>
           </p:cNvPr>
@@ -2715,7 +2715,7 @@
           <a:bodyPr/>
           <a:lstStyle/>
           <a:p>
-            <a:fld id="{82062437-CC29-498F-866E-87A16D9EBB86}" type="slidenum">
+            <a:fld id="{D5C79879-AE90-4CFB-916B-9332D4F36871}" type="slidenum">
               <a:rPr lang="zh-CN" altLang="en-US" smtClean="0"/>
               <a:t>‹#›</a:t>
             </a:fld>
@@ -2726,7 +2726,7 @@
     </p:spTree>
     <p:extLst>
       <p:ext uri="{BB962C8B-B14F-4D97-AF65-F5344CB8AC3E}">
-        <p14:creationId xmlns:p14="http://schemas.microsoft.com/office/powerpoint/2010/main" val="3669252010"/>
+        <p14:creationId xmlns:p14="http://schemas.microsoft.com/office/powerpoint/2010/main" val="3118691239"/>
       </p:ext>
     </p:extLst>
   </p:cSld>
@@ -2763,7 +2763,7 @@
           <p:cNvPr id="2" name="标题占位符 1">
             <a:extLst>
               <a:ext uri="{FF2B5EF4-FFF2-40B4-BE49-F238E27FC236}">
-                <a16:creationId xmlns:a16="http://schemas.microsoft.com/office/drawing/2014/main" id="{83698348-9B5D-76DD-17D1-32CB4E08A42D}"/>
+                <a16:creationId xmlns:a16="http://schemas.microsoft.com/office/drawing/2014/main" id="{351342A2-2726-C550-FC22-D56732A58977}"/>
               </a:ext>
             </a:extLst>
           </p:cNvPr>
@@ -2801,7 +2801,7 @@
           <p:cNvPr id="3" name="文本占位符 2">
             <a:extLst>
               <a:ext uri="{FF2B5EF4-FFF2-40B4-BE49-F238E27FC236}">
-                <a16:creationId xmlns:a16="http://schemas.microsoft.com/office/drawing/2014/main" id="{BCFFC590-DFCE-A102-2E6B-110C0BCD60F2}"/>
+                <a16:creationId xmlns:a16="http://schemas.microsoft.com/office/drawing/2014/main" id="{DCBB0869-D3A1-F03F-71A7-38150B8EBB44}"/>
               </a:ext>
             </a:extLst>
           </p:cNvPr>
@@ -2868,7 +2868,7 @@
           <p:cNvPr id="4" name="日期占位符 3">
             <a:extLst>
               <a:ext uri="{FF2B5EF4-FFF2-40B4-BE49-F238E27FC236}">
-                <a16:creationId xmlns:a16="http://schemas.microsoft.com/office/drawing/2014/main" id="{EF7D896D-2373-E868-6707-28F5906B1B54}"/>
+                <a16:creationId xmlns:a16="http://schemas.microsoft.com/office/drawing/2014/main" id="{C81FD6F9-C336-72D7-5DF5-9A44F0639D74}"/>
               </a:ext>
             </a:extLst>
           </p:cNvPr>
@@ -2902,7 +2902,7 @@
             </a:lvl1pPr>
           </a:lstStyle>
           <a:p>
-            <a:fld id="{273E78E9-D16B-40B9-BE1E-94E0A7A970E7}" type="datetimeFigureOut">
+            <a:fld id="{41166626-1864-4712-9250-5F7A55C5F401}" type="datetimeFigureOut">
               <a:rPr lang="zh-CN" altLang="en-US" smtClean="0"/>
               <a:t>2024/3/10</a:t>
             </a:fld>
@@ -2915,7 +2915,7 @@
           <p:cNvPr id="5" name="页脚占位符 4">
             <a:extLst>
               <a:ext uri="{FF2B5EF4-FFF2-40B4-BE49-F238E27FC236}">
-                <a16:creationId xmlns:a16="http://schemas.microsoft.com/office/drawing/2014/main" id="{08FB315D-7F8F-04BB-CE3D-75B4F55B509D}"/>
+                <a16:creationId xmlns:a16="http://schemas.microsoft.com/office/drawing/2014/main" id="{E44BDFEC-D346-E26F-D42A-78CB1EC04D45}"/>
               </a:ext>
             </a:extLst>
           </p:cNvPr>
@@ -2958,7 +2958,7 @@
           <p:cNvPr id="6" name="灯片编号占位符 5">
             <a:extLst>
               <a:ext uri="{FF2B5EF4-FFF2-40B4-BE49-F238E27FC236}">
-                <a16:creationId xmlns:a16="http://schemas.microsoft.com/office/drawing/2014/main" id="{E1B6DCB0-0E55-09AC-CDE8-31B474F3E62B}"/>
+                <a16:creationId xmlns:a16="http://schemas.microsoft.com/office/drawing/2014/main" id="{F3837799-B777-2B9E-35EA-DED12A168810}"/>
               </a:ext>
             </a:extLst>
           </p:cNvPr>
@@ -2992,7 +2992,7 @@
             </a:lvl1pPr>
           </a:lstStyle>
           <a:p>
-            <a:fld id="{82062437-CC29-498F-866E-87A16D9EBB86}" type="slidenum">
+            <a:fld id="{D5C79879-AE90-4CFB-916B-9332D4F36871}" type="slidenum">
               <a:rPr lang="zh-CN" altLang="en-US" smtClean="0"/>
               <a:t>‹#›</a:t>
             </a:fld>
@@ -3003,7 +3003,7 @@
     </p:spTree>
     <p:extLst>
       <p:ext uri="{BB962C8B-B14F-4D97-AF65-F5344CB8AC3E}">
-        <p14:creationId xmlns:p14="http://schemas.microsoft.com/office/powerpoint/2010/main" val="2199046470"/>
+        <p14:creationId xmlns:p14="http://schemas.microsoft.com/office/powerpoint/2010/main" val="3753641262"/>
       </p:ext>
     </p:extLst>
   </p:cSld>
